--- a/Presentation.pptx
+++ b/Presentation.pptx
@@ -9,6 +9,8 @@
     <p:sldId id="257" r:id="rId3"/>
     <p:sldId id="258" r:id="rId4"/>
     <p:sldId id="259" r:id="rId5"/>
+    <p:sldId id="261" r:id="rId6"/>
+    <p:sldId id="260" r:id="rId7"/>
   </p:sldIdLst>
   <p:sldSz cx="12192000" cy="6858000"/>
   <p:notesSz cx="6858000" cy="9144000"/>
@@ -254,7 +256,7 @@
           <a:p>
             <a:fld id="{846CE7D5-CF57-46EF-B807-FDD0502418D4}" type="datetimeFigureOut">
               <a:rPr lang="en-US" smtClean="0"/>
-              <a:t>12/3/2019</a:t>
+              <a:t>12/5/2019</a:t>
             </a:fld>
             <a:endParaRPr lang="en-US"/>
           </a:p>
@@ -424,7 +426,7 @@
           <a:p>
             <a:fld id="{846CE7D5-CF57-46EF-B807-FDD0502418D4}" type="datetimeFigureOut">
               <a:rPr lang="en-US" smtClean="0"/>
-              <a:t>12/3/2019</a:t>
+              <a:t>12/5/2019</a:t>
             </a:fld>
             <a:endParaRPr lang="en-US"/>
           </a:p>
@@ -604,7 +606,7 @@
           <a:p>
             <a:fld id="{846CE7D5-CF57-46EF-B807-FDD0502418D4}" type="datetimeFigureOut">
               <a:rPr lang="en-US" smtClean="0"/>
-              <a:t>12/3/2019</a:t>
+              <a:t>12/5/2019</a:t>
             </a:fld>
             <a:endParaRPr lang="en-US"/>
           </a:p>
@@ -774,7 +776,7 @@
           <a:p>
             <a:fld id="{846CE7D5-CF57-46EF-B807-FDD0502418D4}" type="datetimeFigureOut">
               <a:rPr lang="en-US" smtClean="0"/>
-              <a:t>12/3/2019</a:t>
+              <a:t>12/5/2019</a:t>
             </a:fld>
             <a:endParaRPr lang="en-US"/>
           </a:p>
@@ -1020,7 +1022,7 @@
           <a:p>
             <a:fld id="{846CE7D5-CF57-46EF-B807-FDD0502418D4}" type="datetimeFigureOut">
               <a:rPr lang="en-US" smtClean="0"/>
-              <a:t>12/3/2019</a:t>
+              <a:t>12/5/2019</a:t>
             </a:fld>
             <a:endParaRPr lang="en-US"/>
           </a:p>
@@ -1252,7 +1254,7 @@
           <a:p>
             <a:fld id="{846CE7D5-CF57-46EF-B807-FDD0502418D4}" type="datetimeFigureOut">
               <a:rPr lang="en-US" smtClean="0"/>
-              <a:t>12/3/2019</a:t>
+              <a:t>12/5/2019</a:t>
             </a:fld>
             <a:endParaRPr lang="en-US"/>
           </a:p>
@@ -1619,7 +1621,7 @@
           <a:p>
             <a:fld id="{846CE7D5-CF57-46EF-B807-FDD0502418D4}" type="datetimeFigureOut">
               <a:rPr lang="en-US" smtClean="0"/>
-              <a:t>12/3/2019</a:t>
+              <a:t>12/5/2019</a:t>
             </a:fld>
             <a:endParaRPr lang="en-US"/>
           </a:p>
@@ -1737,7 +1739,7 @@
           <a:p>
             <a:fld id="{846CE7D5-CF57-46EF-B807-FDD0502418D4}" type="datetimeFigureOut">
               <a:rPr lang="en-US" smtClean="0"/>
-              <a:t>12/3/2019</a:t>
+              <a:t>12/5/2019</a:t>
             </a:fld>
             <a:endParaRPr lang="en-US"/>
           </a:p>
@@ -1832,7 +1834,7 @@
           <a:p>
             <a:fld id="{846CE7D5-CF57-46EF-B807-FDD0502418D4}" type="datetimeFigureOut">
               <a:rPr lang="en-US" smtClean="0"/>
-              <a:t>12/3/2019</a:t>
+              <a:t>12/5/2019</a:t>
             </a:fld>
             <a:endParaRPr lang="en-US"/>
           </a:p>
@@ -2109,7 +2111,7 @@
           <a:p>
             <a:fld id="{846CE7D5-CF57-46EF-B807-FDD0502418D4}" type="datetimeFigureOut">
               <a:rPr lang="en-US" smtClean="0"/>
-              <a:t>12/3/2019</a:t>
+              <a:t>12/5/2019</a:t>
             </a:fld>
             <a:endParaRPr lang="en-US"/>
           </a:p>
@@ -2366,7 +2368,7 @@
           <a:p>
             <a:fld id="{846CE7D5-CF57-46EF-B807-FDD0502418D4}" type="datetimeFigureOut">
               <a:rPr lang="en-US" smtClean="0"/>
-              <a:t>12/3/2019</a:t>
+              <a:t>12/5/2019</a:t>
             </a:fld>
             <a:endParaRPr lang="en-US"/>
           </a:p>
@@ -2579,7 +2581,7 @@
           <a:p>
             <a:fld id="{846CE7D5-CF57-46EF-B807-FDD0502418D4}" type="datetimeFigureOut">
               <a:rPr lang="en-US" smtClean="0"/>
-              <a:t>12/3/2019</a:t>
+              <a:t>12/5/2019</a:t>
             </a:fld>
             <a:endParaRPr lang="en-US"/>
           </a:p>
@@ -3435,7 +3437,7 @@
                 <a16:creationId xmlns:a16="http://schemas.microsoft.com/office/drawing/2014/main" id="{AB45A142-4255-493C-8284-5D566C121B10}"/>
               </a:ext>
               <a:ext uri="{C183D7F6-B498-43B3-948B-1728B52AA6E4}">
-                <adec:decorative xmlns:adec="http://schemas.microsoft.com/office/drawing/2017/decorative" val="1"/>
+                <adec:decorative xmlns:adec="http://schemas.microsoft.com/office/drawing/2017/decorative" xmlns="" val="1"/>
               </a:ext>
             </a:extLst>
           </p:cNvPr>
@@ -3547,7 +3549,7 @@
                 <a16:creationId xmlns:a16="http://schemas.microsoft.com/office/drawing/2014/main" id="{38FB9660-F42F-4313-BBC4-47C007FE484C}"/>
               </a:ext>
               <a:ext uri="{C183D7F6-B498-43B3-948B-1728B52AA6E4}">
-                <adec:decorative xmlns:adec="http://schemas.microsoft.com/office/drawing/2017/decorative" val="1"/>
+                <adec:decorative xmlns:adec="http://schemas.microsoft.com/office/drawing/2017/decorative" xmlns="" val="1"/>
               </a:ext>
             </a:extLst>
           </p:cNvPr>
@@ -3627,6 +3629,173 @@
     <p:extLst>
       <p:ext uri="{BB962C8B-B14F-4D97-AF65-F5344CB8AC3E}">
         <p14:creationId xmlns:p14="http://schemas.microsoft.com/office/powerpoint/2010/main" val="4209568125"/>
+      </p:ext>
+    </p:extLst>
+  </p:cSld>
+  <p:clrMapOvr>
+    <a:masterClrMapping/>
+  </p:clrMapOvr>
+</p:sld>
+</file>
+
+<file path=ppt/slides/slide5.xml><?xml version="1.0" encoding="utf-8"?>
+<p:sld xmlns:a="http://schemas.openxmlformats.org/drawingml/2006/main" xmlns:r="http://schemas.openxmlformats.org/officeDocument/2006/relationships" xmlns:p="http://schemas.openxmlformats.org/presentationml/2006/main">
+  <p:cSld>
+    <p:spTree>
+      <p:nvGrpSpPr>
+        <p:cNvPr id="1" name=""/>
+        <p:cNvGrpSpPr/>
+        <p:nvPr/>
+      </p:nvGrpSpPr>
+      <p:grpSpPr>
+        <a:xfrm>
+          <a:off x="0" y="0"/>
+          <a:ext cx="0" cy="0"/>
+          <a:chOff x="0" y="0"/>
+          <a:chExt cx="0" cy="0"/>
+        </a:xfrm>
+      </p:grpSpPr>
+      <p:sp>
+        <p:nvSpPr>
+          <p:cNvPr id="2" name="Title 1"/>
+          <p:cNvSpPr>
+            <a:spLocks noGrp="1"/>
+          </p:cNvSpPr>
+          <p:nvPr>
+            <p:ph type="title"/>
+          </p:nvPr>
+        </p:nvSpPr>
+        <p:spPr/>
+        <p:txBody>
+          <a:bodyPr/>
+          <a:lstStyle/>
+          <a:p>
+            <a:r>
+              <a:rPr lang="en-US" dirty="0" smtClean="0"/>
+              <a:t>Future Plans for PARTY</a:t>
+            </a:r>
+            <a:endParaRPr lang="en-US" dirty="0"/>
+          </a:p>
+        </p:txBody>
+      </p:sp>
+      <p:sp>
+        <p:nvSpPr>
+          <p:cNvPr id="3" name="Content Placeholder 2"/>
+          <p:cNvSpPr>
+            <a:spLocks noGrp="1"/>
+          </p:cNvSpPr>
+          <p:nvPr>
+            <p:ph idx="1"/>
+          </p:nvPr>
+        </p:nvSpPr>
+        <p:spPr/>
+        <p:txBody>
+          <a:bodyPr/>
+          <a:lstStyle/>
+          <a:p>
+            <a:r>
+              <a:rPr lang="en-US" dirty="0" smtClean="0"/>
+              <a:t>Better Save &amp; Load Feature</a:t>
+            </a:r>
+          </a:p>
+          <a:p>
+            <a:r>
+              <a:rPr lang="en-US" dirty="0" smtClean="0"/>
+              <a:t>Advance Tools working Functionally</a:t>
+            </a:r>
+          </a:p>
+          <a:p>
+            <a:r>
+              <a:rPr lang="en-US" dirty="0" smtClean="0"/>
+              <a:t>Somewhat better Color control in Advance Mode.</a:t>
+            </a:r>
+            <a:endParaRPr lang="en-US" dirty="0"/>
+          </a:p>
+        </p:txBody>
+      </p:sp>
+    </p:spTree>
+    <p:extLst>
+      <p:ext uri="{BB962C8B-B14F-4D97-AF65-F5344CB8AC3E}">
+        <p14:creationId xmlns:p14="http://schemas.microsoft.com/office/powerpoint/2010/main" val="4034121137"/>
+      </p:ext>
+    </p:extLst>
+  </p:cSld>
+  <p:clrMapOvr>
+    <a:masterClrMapping/>
+  </p:clrMapOvr>
+</p:sld>
+</file>
+
+<file path=ppt/slides/slide6.xml><?xml version="1.0" encoding="utf-8"?>
+<p:sld xmlns:a="http://schemas.openxmlformats.org/drawingml/2006/main" xmlns:r="http://schemas.openxmlformats.org/officeDocument/2006/relationships" xmlns:p="http://schemas.openxmlformats.org/presentationml/2006/main">
+  <p:cSld>
+    <p:spTree>
+      <p:nvGrpSpPr>
+        <p:cNvPr id="1" name=""/>
+        <p:cNvGrpSpPr/>
+        <p:nvPr/>
+      </p:nvGrpSpPr>
+      <p:grpSpPr>
+        <a:xfrm>
+          <a:off x="0" y="0"/>
+          <a:ext cx="0" cy="0"/>
+          <a:chOff x="0" y="0"/>
+          <a:chExt cx="0" cy="0"/>
+        </a:xfrm>
+      </p:grpSpPr>
+      <p:sp>
+        <p:nvSpPr>
+          <p:cNvPr id="2" name="Title 1"/>
+          <p:cNvSpPr>
+            <a:spLocks noGrp="1"/>
+          </p:cNvSpPr>
+          <p:nvPr>
+            <p:ph type="title"/>
+          </p:nvPr>
+        </p:nvSpPr>
+        <p:spPr/>
+        <p:txBody>
+          <a:bodyPr/>
+          <a:lstStyle/>
+          <a:p>
+            <a:r>
+              <a:rPr lang="en-US" dirty="0" smtClean="0"/>
+              <a:t>Questions and Where to find us</a:t>
+            </a:r>
+            <a:endParaRPr lang="en-US" dirty="0"/>
+          </a:p>
+        </p:txBody>
+      </p:sp>
+      <p:sp>
+        <p:nvSpPr>
+          <p:cNvPr id="3" name="Content Placeholder 2"/>
+          <p:cNvSpPr>
+            <a:spLocks noGrp="1"/>
+          </p:cNvSpPr>
+          <p:nvPr>
+            <p:ph idx="1"/>
+          </p:nvPr>
+        </p:nvSpPr>
+        <p:spPr/>
+        <p:txBody>
+          <a:bodyPr/>
+          <a:lstStyle/>
+          <a:p>
+            <a:r>
+              <a:rPr lang="en-US" dirty="0" smtClean="0"/>
+              <a:t>GitHub: </a:t>
+            </a:r>
+            <a:r>
+              <a:rPr lang="en-US" dirty="0"/>
+              <a:t>https://github.com/TSLogan-UTM/PARTYapp</a:t>
+            </a:r>
+          </a:p>
+        </p:txBody>
+      </p:sp>
+    </p:spTree>
+    <p:extLst>
+      <p:ext uri="{BB962C8B-B14F-4D97-AF65-F5344CB8AC3E}">
+        <p14:creationId xmlns:p14="http://schemas.microsoft.com/office/powerpoint/2010/main" val="3478561543"/>
       </p:ext>
     </p:extLst>
   </p:cSld>

--- a/Presentation.pptx
+++ b/Presentation.pptx
@@ -3437,7 +3437,7 @@
                 <a16:creationId xmlns:a16="http://schemas.microsoft.com/office/drawing/2014/main" id="{AB45A142-4255-493C-8284-5D566C121B10}"/>
               </a:ext>
               <a:ext uri="{C183D7F6-B498-43B3-948B-1728B52AA6E4}">
-                <adec:decorative xmlns:adec="http://schemas.microsoft.com/office/drawing/2017/decorative" xmlns="" val="1"/>
+                <adec:decorative xmlns="" xmlns:adec="http://schemas.microsoft.com/office/drawing/2017/decorative" val="1"/>
               </a:ext>
             </a:extLst>
           </p:cNvPr>
@@ -3549,7 +3549,7 @@
                 <a16:creationId xmlns:a16="http://schemas.microsoft.com/office/drawing/2014/main" id="{38FB9660-F42F-4313-BBC4-47C007FE484C}"/>
               </a:ext>
               <a:ext uri="{C183D7F6-B498-43B3-948B-1728B52AA6E4}">
-                <adec:decorative xmlns:adec="http://schemas.microsoft.com/office/drawing/2017/decorative" xmlns="" val="1"/>
+                <adec:decorative xmlns="" xmlns:adec="http://schemas.microsoft.com/office/drawing/2017/decorative" val="1"/>
               </a:ext>
             </a:extLst>
           </p:cNvPr>
@@ -3786,9 +3786,66 @@
               <a:t>GitHub: </a:t>
             </a:r>
             <a:r>
-              <a:rPr lang="en-US" dirty="0"/>
-              <a:t>https://github.com/TSLogan-UTM/PARTYapp</a:t>
-            </a:r>
+              <a:rPr lang="en-US" dirty="0">
+                <a:hlinkClick r:id="rId2"/>
+              </a:rPr>
+              <a:t>https://</a:t>
+            </a:r>
+            <a:r>
+              <a:rPr lang="en-US" dirty="0" smtClean="0">
+                <a:hlinkClick r:id="rId2"/>
+              </a:rPr>
+              <a:t>github.com/TSLogan-UTM/PARTYapp</a:t>
+            </a:r>
+            <a:endParaRPr lang="en-US" dirty="0" smtClean="0"/>
+          </a:p>
+          <a:p>
+            <a:endParaRPr lang="en-US" dirty="0"/>
+          </a:p>
+          <a:p>
+            <a:r>
+              <a:rPr lang="en-US" dirty="0" smtClean="0"/>
+              <a:t>Thomas: </a:t>
+            </a:r>
+            <a:r>
+              <a:rPr lang="en-US" dirty="0" smtClean="0">
+                <a:hlinkClick r:id="rId3"/>
+              </a:rPr>
+              <a:t>thosloga@ut.utm.edu</a:t>
+            </a:r>
+            <a:endParaRPr lang="en-US" dirty="0" smtClean="0"/>
+          </a:p>
+          <a:p>
+            <a:r>
+              <a:rPr lang="en-US" dirty="0" smtClean="0"/>
+              <a:t>Vincent: </a:t>
+            </a:r>
+            <a:r>
+              <a:rPr lang="en-US" dirty="0">
+                <a:hlinkClick r:id="rId4"/>
+              </a:rPr>
+              <a:t>vinomano@ut.utm.edu</a:t>
+            </a:r>
+            <a:endParaRPr lang="en-US" dirty="0" smtClean="0"/>
+          </a:p>
+          <a:p>
+            <a:r>
+              <a:rPr lang="en-US" dirty="0" smtClean="0"/>
+              <a:t>Brett: </a:t>
+            </a:r>
+            <a:r>
+              <a:rPr lang="en-US" dirty="0">
+                <a:hlinkClick r:id="rId5"/>
+              </a:rPr>
+              <a:t>jerbbive@ut.utm.edu</a:t>
+            </a:r>
+            <a:endParaRPr lang="en-US" dirty="0"/>
+          </a:p>
+          <a:p>
+            <a:pPr marL="0" indent="0">
+              <a:buNone/>
+            </a:pPr>
+            <a:endParaRPr lang="en-US" dirty="0"/>
           </a:p>
         </p:txBody>
       </p:sp>
